--- a/AssemblyDone/Store.pptx
+++ b/AssemblyDone/Store.pptx
@@ -2908,7 +2908,7 @@
           <a:p>
             <a:fld id="{39A8B555-71B7-4546-B78C-F470AB5BD110}" type="datetimeFigureOut">
               <a:rPr lang="he-IL" smtClean="0"/>
-              <a:t>י"ט/סיון/תשע"ה</a:t>
+              <a:t>כ'/סיון/תשע"ה</a:t>
             </a:fld>
             <a:endParaRPr lang="he-IL"/>
           </a:p>
@@ -3421,7 +3421,7 @@
           <a:p>
             <a:fld id="{39A8B555-71B7-4546-B78C-F470AB5BD110}" type="datetimeFigureOut">
               <a:rPr lang="he-IL" smtClean="0"/>
-              <a:t>י"ט/סיון/תשע"ה</a:t>
+              <a:t>כ'/סיון/תשע"ה</a:t>
             </a:fld>
             <a:endParaRPr lang="he-IL"/>
           </a:p>
@@ -3596,7 +3596,7 @@
           <a:p>
             <a:fld id="{39A8B555-71B7-4546-B78C-F470AB5BD110}" type="datetimeFigureOut">
               <a:rPr lang="he-IL" smtClean="0"/>
-              <a:t>י"ט/סיון/תשע"ה</a:t>
+              <a:t>כ'/סיון/תשע"ה</a:t>
             </a:fld>
             <a:endParaRPr lang="he-IL"/>
           </a:p>
@@ -3761,7 +3761,7 @@
           <a:p>
             <a:fld id="{39A8B555-71B7-4546-B78C-F470AB5BD110}" type="datetimeFigureOut">
               <a:rPr lang="he-IL" smtClean="0"/>
-              <a:t>י"ט/סיון/תשע"ה</a:t>
+              <a:t>כ'/סיון/תשע"ה</a:t>
             </a:fld>
             <a:endParaRPr lang="he-IL"/>
           </a:p>
@@ -6885,7 +6885,7 @@
           <a:p>
             <a:fld id="{39A8B555-71B7-4546-B78C-F470AB5BD110}" type="datetimeFigureOut">
               <a:rPr lang="he-IL" smtClean="0"/>
-              <a:t>י"ט/סיון/תשע"ה</a:t>
+              <a:t>כ'/סיון/תשע"ה</a:t>
             </a:fld>
             <a:endParaRPr lang="he-IL"/>
           </a:p>
@@ -7168,7 +7168,7 @@
           <a:p>
             <a:fld id="{39A8B555-71B7-4546-B78C-F470AB5BD110}" type="datetimeFigureOut">
               <a:rPr lang="he-IL" smtClean="0"/>
-              <a:t>י"ט/סיון/תשע"ה</a:t>
+              <a:t>כ'/סיון/תשע"ה</a:t>
             </a:fld>
             <a:endParaRPr lang="he-IL"/>
           </a:p>
@@ -7585,7 +7585,7 @@
           <a:p>
             <a:fld id="{39A8B555-71B7-4546-B78C-F470AB5BD110}" type="datetimeFigureOut">
               <a:rPr lang="he-IL" smtClean="0"/>
-              <a:t>י"ט/סיון/תשע"ה</a:t>
+              <a:t>כ'/סיון/תשע"ה</a:t>
             </a:fld>
             <a:endParaRPr lang="he-IL"/>
           </a:p>
@@ -7698,7 +7698,7 @@
           <a:p>
             <a:fld id="{39A8B555-71B7-4546-B78C-F470AB5BD110}" type="datetimeFigureOut">
               <a:rPr lang="he-IL" smtClean="0"/>
-              <a:t>י"ט/סיון/תשע"ה</a:t>
+              <a:t>כ'/סיון/תשע"ה</a:t>
             </a:fld>
             <a:endParaRPr lang="he-IL"/>
           </a:p>
@@ -7788,7 +7788,7 @@
           <a:p>
             <a:fld id="{39A8B555-71B7-4546-B78C-F470AB5BD110}" type="datetimeFigureOut">
               <a:rPr lang="he-IL" smtClean="0"/>
-              <a:t>י"ט/סיון/תשע"ה</a:t>
+              <a:t>כ'/סיון/תשע"ה</a:t>
             </a:fld>
             <a:endParaRPr lang="he-IL"/>
           </a:p>
@@ -7963,7 +7963,7 @@
           <a:p>
             <a:fld id="{39A8B555-71B7-4546-B78C-F470AB5BD110}" type="datetimeFigureOut">
               <a:rPr lang="he-IL" smtClean="0"/>
-              <a:t>י"ט/סיון/תשע"ה</a:t>
+              <a:t>כ'/סיון/תשע"ה</a:t>
             </a:fld>
             <a:endParaRPr lang="he-IL"/>
           </a:p>
@@ -8449,7 +8449,7 @@
           <a:p>
             <a:fld id="{39A8B555-71B7-4546-B78C-F470AB5BD110}" type="datetimeFigureOut">
               <a:rPr lang="he-IL" smtClean="0"/>
-              <a:t>י"ט/סיון/תשע"ה</a:t>
+              <a:t>כ'/סיון/תשע"ה</a:t>
             </a:fld>
             <a:endParaRPr lang="he-IL"/>
           </a:p>
@@ -9001,7 +9001,7 @@
           <a:p>
             <a:fld id="{39A8B555-71B7-4546-B78C-F470AB5BD110}" type="datetimeFigureOut">
               <a:rPr lang="he-IL" smtClean="0"/>
-              <a:t>י"ט/סיון/תשע"ה</a:t>
+              <a:t>כ'/סיון/תשע"ה</a:t>
             </a:fld>
             <a:endParaRPr lang="he-IL"/>
           </a:p>
@@ -9426,7 +9426,7 @@
         </p:nvSpPr>
         <p:spPr>
           <a:xfrm>
-            <a:off x="1454968" y="1565920"/>
+            <a:off x="2195736" y="764704"/>
             <a:ext cx="8229600" cy="1143000"/>
           </a:xfrm>
         </p:spPr>
@@ -9437,7 +9437,7 @@
           <a:lstStyle/>
           <a:p>
             <a:r>
-              <a:rPr lang="en-US" sz="16600" dirty="0" smtClean="0">
+              <a:rPr lang="en-US" sz="11500" dirty="0" smtClean="0">
                 <a:solidFill>
                   <a:srgbClr val="FF0000"/>
                 </a:solidFill>
@@ -9445,7 +9445,7 @@
               </a:rPr>
               <a:t>Store</a:t>
             </a:r>
-            <a:endParaRPr lang="he-IL" sz="16600" dirty="0">
+            <a:endParaRPr lang="he-IL" sz="11500" dirty="0">
               <a:solidFill>
                 <a:srgbClr val="FF0000"/>
               </a:solidFill>
@@ -9469,21 +9469,6 @@
           <a:bodyPr/>
           <a:lstStyle/>
           <a:p>
-            <a:pPr algn="l" rtl="0"/>
-            <a:endParaRPr lang="en-US" dirty="0" smtClean="0"/>
-          </a:p>
-          <a:p>
-            <a:pPr marL="0" indent="0" algn="l" rtl="0">
-              <a:buNone/>
-            </a:pPr>
-            <a:endParaRPr lang="en-US" sz="3600" b="1" dirty="0" smtClean="0">
-              <a:solidFill>
-                <a:srgbClr val="00B050"/>
-              </a:solidFill>
-              <a:latin typeface="Zombie" pitchFamily="2" charset="0"/>
-            </a:endParaRPr>
-          </a:p>
-          <a:p>
             <a:pPr marL="0" indent="0" algn="l" rtl="0">
               <a:buNone/>
             </a:pPr>
@@ -9494,7 +9479,21 @@
                 </a:solidFill>
                 <a:latin typeface="Zombie" pitchFamily="2" charset="0"/>
               </a:rPr>
-              <a:t>Money - </a:t>
+              <a:t>Money – </a:t>
+            </a:r>
+          </a:p>
+          <a:p>
+            <a:pPr marL="0" indent="0" algn="l" rtl="0">
+              <a:buNone/>
+            </a:pPr>
+            <a:r>
+              <a:rPr lang="en-US" sz="3600" b="1" smtClean="0">
+                <a:solidFill>
+                  <a:srgbClr val="00B050"/>
+                </a:solidFill>
+                <a:latin typeface="Zombie" pitchFamily="2" charset="0"/>
+              </a:rPr>
+              <a:t>Life - </a:t>
             </a:r>
             <a:endParaRPr lang="he-IL" b="1" dirty="0">
               <a:solidFill>
@@ -9528,8 +9527,8 @@
         </p:blipFill>
         <p:spPr bwMode="auto">
           <a:xfrm>
-            <a:off x="683568" y="4732490"/>
-            <a:ext cx="1132859" cy="1477643"/>
+            <a:off x="827584" y="4451197"/>
+            <a:ext cx="566429" cy="738821"/>
           </a:xfrm>
           <a:prstGeom prst="rect">
             <a:avLst/>
@@ -9569,8 +9568,8 @@
         </p:blipFill>
         <p:spPr bwMode="auto">
           <a:xfrm>
-            <a:off x="2843808" y="4677780"/>
-            <a:ext cx="2088232" cy="1587061"/>
+            <a:off x="4139952" y="4519611"/>
+            <a:ext cx="792088" cy="601989"/>
           </a:xfrm>
           <a:prstGeom prst="rect">
             <a:avLst/>
@@ -9610,8 +9609,8 @@
         </p:blipFill>
         <p:spPr bwMode="auto">
           <a:xfrm>
-            <a:off x="5796136" y="4451197"/>
-            <a:ext cx="2448272" cy="2040226"/>
+            <a:off x="7020272" y="4370557"/>
+            <a:ext cx="1080120" cy="900100"/>
           </a:xfrm>
           <a:prstGeom prst="rect">
             <a:avLst/>
